--- a/presentations/slides-121-anima-update-jws-voucher.pptx
+++ b/presentations/slides-121-anima-update-jws-voucher.pptx
@@ -5494,8 +5494,12 @@
               </a:spcBef>
             </a:pPr>
             <a:r>
+              <a:rPr lang="en-US" sz="2400"/>
+              <a:t>Further Interop </a:t>
+            </a:r>
+            <a:r>
               <a:rPr lang="en-US" sz="2400" dirty="0"/>
-              <a:t>Interop testing with others welcome </a:t>
+              <a:t>testing with others welcome </a:t>
             </a:r>
             <a:r>
               <a:rPr lang="en-US" sz="2400" dirty="0">
